--- a/pslides/mutate.pptx
+++ b/pslides/mutate.pptx
@@ -197,7 +197,7 @@
           <a:p>
             <a:fld id="{067B1328-FBA7-A54A-86BE-4FAFCAA9311A}" type="datetimeFigureOut">
               <a:rPr lang="en-US" smtClean="0"/>
-              <a:t>9/15/21</a:t>
+              <a:t>9/17/21</a:t>
             </a:fld>
             <a:endParaRPr lang="en-US"/>
           </a:p>
@@ -696,7 +696,7 @@
           <a:p>
             <a:fld id="{7B9169B0-A344-9A43-AAD5-682508993835}" type="datetimeFigureOut">
               <a:rPr lang="fr-FR" smtClean="0"/>
-              <a:t>15/09/2021</a:t>
+              <a:t>17/09/2021</a:t>
             </a:fld>
             <a:endParaRPr lang="fr-FR"/>
           </a:p>
@@ -894,7 +894,7 @@
           <a:p>
             <a:fld id="{7B9169B0-A344-9A43-AAD5-682508993835}" type="datetimeFigureOut">
               <a:rPr lang="fr-FR" smtClean="0"/>
-              <a:t>15/09/2021</a:t>
+              <a:t>17/09/2021</a:t>
             </a:fld>
             <a:endParaRPr lang="fr-FR"/>
           </a:p>
@@ -1102,7 +1102,7 @@
           <a:p>
             <a:fld id="{7B9169B0-A344-9A43-AAD5-682508993835}" type="datetimeFigureOut">
               <a:rPr lang="fr-FR" smtClean="0"/>
-              <a:t>15/09/2021</a:t>
+              <a:t>17/09/2021</a:t>
             </a:fld>
             <a:endParaRPr lang="fr-FR"/>
           </a:p>
@@ -1300,7 +1300,7 @@
           <a:p>
             <a:fld id="{7B9169B0-A344-9A43-AAD5-682508993835}" type="datetimeFigureOut">
               <a:rPr lang="fr-FR" smtClean="0"/>
-              <a:t>15/09/2021</a:t>
+              <a:t>17/09/2021</a:t>
             </a:fld>
             <a:endParaRPr lang="fr-FR"/>
           </a:p>
@@ -1575,7 +1575,7 @@
           <a:p>
             <a:fld id="{7B9169B0-A344-9A43-AAD5-682508993835}" type="datetimeFigureOut">
               <a:rPr lang="fr-FR" smtClean="0"/>
-              <a:t>15/09/2021</a:t>
+              <a:t>17/09/2021</a:t>
             </a:fld>
             <a:endParaRPr lang="fr-FR"/>
           </a:p>
@@ -1840,7 +1840,7 @@
           <a:p>
             <a:fld id="{7B9169B0-A344-9A43-AAD5-682508993835}" type="datetimeFigureOut">
               <a:rPr lang="fr-FR" smtClean="0"/>
-              <a:t>15/09/2021</a:t>
+              <a:t>17/09/2021</a:t>
             </a:fld>
             <a:endParaRPr lang="fr-FR"/>
           </a:p>
@@ -2252,7 +2252,7 @@
           <a:p>
             <a:fld id="{7B9169B0-A344-9A43-AAD5-682508993835}" type="datetimeFigureOut">
               <a:rPr lang="fr-FR" smtClean="0"/>
-              <a:t>15/09/2021</a:t>
+              <a:t>17/09/2021</a:t>
             </a:fld>
             <a:endParaRPr lang="fr-FR"/>
           </a:p>
@@ -2393,7 +2393,7 @@
           <a:p>
             <a:fld id="{7B9169B0-A344-9A43-AAD5-682508993835}" type="datetimeFigureOut">
               <a:rPr lang="fr-FR" smtClean="0"/>
-              <a:t>15/09/2021</a:t>
+              <a:t>17/09/2021</a:t>
             </a:fld>
             <a:endParaRPr lang="fr-FR"/>
           </a:p>
@@ -2506,7 +2506,7 @@
           <a:p>
             <a:fld id="{7B9169B0-A344-9A43-AAD5-682508993835}" type="datetimeFigureOut">
               <a:rPr lang="fr-FR" smtClean="0"/>
-              <a:t>15/09/2021</a:t>
+              <a:t>17/09/2021</a:t>
             </a:fld>
             <a:endParaRPr lang="fr-FR"/>
           </a:p>
@@ -2817,7 +2817,7 @@
           <a:p>
             <a:fld id="{7B9169B0-A344-9A43-AAD5-682508993835}" type="datetimeFigureOut">
               <a:rPr lang="fr-FR" smtClean="0"/>
-              <a:t>15/09/2021</a:t>
+              <a:t>17/09/2021</a:t>
             </a:fld>
             <a:endParaRPr lang="fr-FR"/>
           </a:p>
@@ -3105,7 +3105,7 @@
           <a:p>
             <a:fld id="{7B9169B0-A344-9A43-AAD5-682508993835}" type="datetimeFigureOut">
               <a:rPr lang="fr-FR" smtClean="0"/>
-              <a:t>15/09/2021</a:t>
+              <a:t>17/09/2021</a:t>
             </a:fld>
             <a:endParaRPr lang="fr-FR"/>
           </a:p>
@@ -3346,7 +3346,7 @@
           <a:p>
             <a:fld id="{7B9169B0-A344-9A43-AAD5-682508993835}" type="datetimeFigureOut">
               <a:rPr lang="fr-FR" smtClean="0"/>
-              <a:t>15/09/2021</a:t>
+              <a:t>17/09/2021</a:t>
             </a:fld>
             <a:endParaRPr lang="fr-FR"/>
           </a:p>
